--- a/documents.pptx
+++ b/documents.pptx
@@ -8763,6 +8763,38 @@
           </a:p>
         </p:txBody>
       </p:sp>
+      <p:pic>
+        <p:nvPicPr>
+          <p:cNvPr id="3074" name="Picture 2"/>
+          <p:cNvPicPr>
+            <a:picLocks noChangeAspect="1" noChangeArrowheads="1"/>
+          </p:cNvPicPr>
+          <p:nvPr/>
+        </p:nvPicPr>
+        <p:blipFill>
+          <a:blip r:embed="rId3"/>
+          <a:srcRect/>
+          <a:stretch>
+            <a:fillRect/>
+          </a:stretch>
+        </p:blipFill>
+        <p:spPr bwMode="auto">
+          <a:xfrm>
+            <a:off x="762000" y="666750"/>
+            <a:ext cx="7235526" cy="3352800"/>
+          </a:xfrm>
+          <a:prstGeom prst="rect">
+            <a:avLst/>
+          </a:prstGeom>
+          <a:noFill/>
+          <a:ln w="9525">
+            <a:noFill/>
+            <a:miter lim="800000"/>
+            <a:headEnd/>
+            <a:tailEnd/>
+          </a:ln>
+        </p:spPr>
+      </p:pic>
     </p:spTree>
   </p:cSld>
   <p:clrMapOvr>
